--- a/MotionSenese/Presentation2.pptx
+++ b/MotionSenese/Presentation2.pptx
@@ -5,19 +5,20 @@
     <p:sldMasterId id="2147483648" r:id="rId1"/>
   </p:sldMasterIdLst>
   <p:notesMasterIdLst>
-    <p:notesMasterId r:id="rId12"/>
+    <p:notesMasterId r:id="rId13"/>
   </p:notesMasterIdLst>
   <p:sldIdLst>
     <p:sldId id="256" r:id="rId2"/>
     <p:sldId id="257" r:id="rId3"/>
     <p:sldId id="258" r:id="rId4"/>
     <p:sldId id="264" r:id="rId5"/>
-    <p:sldId id="263" r:id="rId6"/>
-    <p:sldId id="265" r:id="rId7"/>
-    <p:sldId id="266" r:id="rId8"/>
-    <p:sldId id="268" r:id="rId9"/>
-    <p:sldId id="269" r:id="rId10"/>
-    <p:sldId id="262" r:id="rId11"/>
+    <p:sldId id="270" r:id="rId6"/>
+    <p:sldId id="263" r:id="rId7"/>
+    <p:sldId id="265" r:id="rId8"/>
+    <p:sldId id="266" r:id="rId9"/>
+    <p:sldId id="268" r:id="rId10"/>
+    <p:sldId id="269" r:id="rId11"/>
+    <p:sldId id="262" r:id="rId12"/>
   </p:sldIdLst>
   <p:sldSz cx="13004800" cy="9753600"/>
   <p:notesSz cx="6858000" cy="9144000"/>
@@ -555,12 +556,16 @@
           <a:lstStyle/>
           <a:p>
             <a:r>
-              <a:rPr lang="en-US" dirty="0" smtClean="0"/>
-              <a:t>* Result</a:t>
-            </a:r>
-            <a:r>
-              <a:rPr lang="en-US" baseline="0" dirty="0" smtClean="0"/>
-              <a:t>s refer to using 10 past examples – for both history and aggregated data sets</a:t>
+              <a:rPr lang="he-IL" dirty="0"/>
+              <a:t>אפשר לסדר את הרקע כדי שיהיה כמו שצריך גם </a:t>
+            </a:r>
+            <a:r>
+              <a:rPr lang="he-IL" dirty="0" err="1"/>
+              <a:t>בווינדוס</a:t>
+            </a:r>
+            <a:r>
+              <a:rPr lang="he-IL" dirty="0"/>
+              <a:t>, אם אתה רוצה אתה יכול לשלוח לי את התמונה ואבדוק אצלי</a:t>
             </a:r>
             <a:endParaRPr lang="en-US" dirty="0"/>
           </a:p>
@@ -569,7 +574,7 @@
     </p:spTree>
     <p:extLst>
       <p:ext uri="{BB962C8B-B14F-4D97-AF65-F5344CB8AC3E}">
-        <p14:creationId xmlns:p14="http://schemas.microsoft.com/office/powerpoint/2010/main" val="1157049829"/>
+        <p14:creationId xmlns:p14="http://schemas.microsoft.com/office/powerpoint/2010/main" val="4107304761"/>
       </p:ext>
     </p:extLst>
   </p:cSld>
@@ -623,24 +628,60 @@
           <a:bodyPr/>
           <a:lstStyle/>
           <a:p>
-            <a:pPr marL="342900" indent="-342900">
-              <a:buFont typeface="Arial" panose="020B0604020202020204" pitchFamily="34" charset="0"/>
-              <a:buChar char="•"/>
+            <a:r>
+              <a:rPr lang="en-US" dirty="0"/>
+              <a:t>Tradeoff for attitude 1:</a:t>
+            </a:r>
+          </a:p>
+          <a:p>
+            <a:pPr marL="457200" indent="-457200">
+              <a:buAutoNum type="arabicParenR"/>
             </a:pPr>
             <a:r>
-              <a:rPr lang="en-US" baseline="0" dirty="0" smtClean="0"/>
-              <a:t>Random Forest classifier uses 10 decision trees as base estimators</a:t>
-            </a:r>
-          </a:p>
-          <a:p>
-            <a:pPr marL="342900" indent="-342900">
-              <a:buFont typeface="Arial" panose="020B0604020202020204" pitchFamily="34" charset="0"/>
-              <a:buChar char="•"/>
+              <a:rPr lang="en-US" dirty="0"/>
+              <a:t>Less samples but has more meaning(?)</a:t>
+            </a:r>
+          </a:p>
+          <a:p>
+            <a:pPr marL="457200" indent="-457200">
+              <a:buAutoNum type="arabicParenR"/>
             </a:pPr>
             <a:r>
-              <a:rPr lang="en-US" baseline="0" dirty="0" smtClean="0"/>
-              <a:t>Results are always on the validation set</a:t>
-            </a:r>
+              <a:rPr lang="en-US" dirty="0"/>
+              <a:t>Hard to work with in ML models</a:t>
+            </a:r>
+          </a:p>
+          <a:p>
+            <a:pPr marL="0" indent="0">
+              <a:buNone/>
+            </a:pPr>
+            <a:r>
+              <a:rPr lang="en-US" dirty="0"/>
+              <a:t>Tradeoff for attitude 2:</a:t>
+            </a:r>
+          </a:p>
+          <a:p>
+            <a:pPr marL="457200" indent="-457200">
+              <a:buAutoNum type="arabicParenR"/>
+            </a:pPr>
+            <a:r>
+              <a:rPr lang="en-US" dirty="0"/>
+              <a:t>Less accurate</a:t>
+            </a:r>
+          </a:p>
+          <a:p>
+            <a:pPr marL="457200" indent="-457200">
+              <a:buAutoNum type="arabicParenR"/>
+            </a:pPr>
+            <a:r>
+              <a:rPr lang="en-US" dirty="0"/>
+              <a:t>Easier to work with in ML models</a:t>
+            </a:r>
+          </a:p>
+          <a:p>
+            <a:pPr marL="457200" indent="-457200">
+              <a:buAutoNum type="arabicParenR"/>
+            </a:pPr>
             <a:endParaRPr lang="en-US" dirty="0"/>
           </a:p>
         </p:txBody>
@@ -648,7 +689,7 @@
     </p:spTree>
     <p:extLst>
       <p:ext uri="{BB962C8B-B14F-4D97-AF65-F5344CB8AC3E}">
-        <p14:creationId xmlns:p14="http://schemas.microsoft.com/office/powerpoint/2010/main" val="3377712445"/>
+        <p14:creationId xmlns:p14="http://schemas.microsoft.com/office/powerpoint/2010/main" val="670705149"/>
       </p:ext>
     </p:extLst>
   </p:cSld>
@@ -702,6 +743,291 @@
           <a:bodyPr/>
           <a:lstStyle/>
           <a:p>
+            <a:r>
+              <a:rPr lang="en-US" dirty="0"/>
+              <a:t>Tradeoff for attitude 1:</a:t>
+            </a:r>
+          </a:p>
+          <a:p>
+            <a:pPr marL="457200" indent="-457200">
+              <a:buAutoNum type="arabicParenR"/>
+            </a:pPr>
+            <a:r>
+              <a:rPr lang="en-US" dirty="0"/>
+              <a:t>Less samples but has more meaning</a:t>
+            </a:r>
+          </a:p>
+          <a:p>
+            <a:pPr marL="457200" indent="-457200">
+              <a:buAutoNum type="arabicParenR"/>
+            </a:pPr>
+            <a:r>
+              <a:rPr lang="en-US" dirty="0"/>
+              <a:t>Hard to work with in ML models</a:t>
+            </a:r>
+          </a:p>
+          <a:p>
+            <a:pPr marL="0" indent="0">
+              <a:buNone/>
+            </a:pPr>
+            <a:r>
+              <a:rPr lang="en-US" dirty="0"/>
+              <a:t>Tradeoff for attitude 2:</a:t>
+            </a:r>
+          </a:p>
+          <a:p>
+            <a:pPr marL="457200" indent="-457200">
+              <a:buAutoNum type="arabicParenR"/>
+            </a:pPr>
+            <a:r>
+              <a:rPr lang="en-US" dirty="0"/>
+              <a:t>Less accurate</a:t>
+            </a:r>
+          </a:p>
+          <a:p>
+            <a:pPr marL="457200" indent="-457200">
+              <a:buAutoNum type="arabicParenR"/>
+            </a:pPr>
+            <a:r>
+              <a:rPr lang="en-US" dirty="0"/>
+              <a:t>Easier to work with in ML models</a:t>
+            </a:r>
+          </a:p>
+          <a:p>
+            <a:pPr marL="457200" indent="-457200">
+              <a:buAutoNum type="arabicParenR"/>
+            </a:pPr>
+            <a:endParaRPr lang="en-US" dirty="0"/>
+          </a:p>
+        </p:txBody>
+      </p:sp>
+    </p:spTree>
+    <p:extLst>
+      <p:ext uri="{BB962C8B-B14F-4D97-AF65-F5344CB8AC3E}">
+        <p14:creationId xmlns:p14="http://schemas.microsoft.com/office/powerpoint/2010/main" val="335988750"/>
+      </p:ext>
+    </p:extLst>
+  </p:cSld>
+  <p:clrMapOvr>
+    <a:masterClrMapping/>
+  </p:clrMapOvr>
+</p:notes>
+</file>
+
+<file path=ppt/notesSlides/notesSlide4.xml><?xml version="1.0" encoding="utf-8"?>
+<p:notes xmlns:a="http://schemas.openxmlformats.org/drawingml/2006/main" xmlns:r="http://schemas.openxmlformats.org/officeDocument/2006/relationships" xmlns:p="http://schemas.openxmlformats.org/presentationml/2006/main">
+  <p:cSld>
+    <p:spTree>
+      <p:nvGrpSpPr>
+        <p:cNvPr id="1" name=""/>
+        <p:cNvGrpSpPr/>
+        <p:nvPr/>
+      </p:nvGrpSpPr>
+      <p:grpSpPr>
+        <a:xfrm>
+          <a:off x="0" y="0"/>
+          <a:ext cx="0" cy="0"/>
+          <a:chOff x="0" y="0"/>
+          <a:chExt cx="0" cy="0"/>
+        </a:xfrm>
+      </p:grpSpPr>
+      <p:sp>
+        <p:nvSpPr>
+          <p:cNvPr id="2" name="Slide Image Placeholder 1"/>
+          <p:cNvSpPr>
+            <a:spLocks noGrp="1" noRot="1" noChangeAspect="1"/>
+          </p:cNvSpPr>
+          <p:nvPr>
+            <p:ph type="sldImg"/>
+          </p:nvPr>
+        </p:nvSpPr>
+        <p:spPr/>
+      </p:sp>
+      <p:sp>
+        <p:nvSpPr>
+          <p:cNvPr id="3" name="Notes Placeholder 2"/>
+          <p:cNvSpPr>
+            <a:spLocks noGrp="1"/>
+          </p:cNvSpPr>
+          <p:nvPr>
+            <p:ph type="body" idx="1"/>
+          </p:nvPr>
+        </p:nvSpPr>
+        <p:spPr/>
+        <p:txBody>
+          <a:bodyPr/>
+          <a:lstStyle/>
+          <a:p>
+            <a:pPr marL="342900" indent="-342900">
+              <a:buFont typeface="Arial" panose="020B0604020202020204" pitchFamily="34" charset="0"/>
+              <a:buChar char="•"/>
+            </a:pPr>
+            <a:r>
+              <a:rPr lang="en-US" dirty="0"/>
+              <a:t>Result</a:t>
+            </a:r>
+            <a:r>
+              <a:rPr lang="en-US" baseline="0" dirty="0"/>
+              <a:t>s refer to using 10 past examples == 1 second, for both history and aggregated data sets</a:t>
+            </a:r>
+          </a:p>
+          <a:p>
+            <a:pPr marL="342900" indent="-342900">
+              <a:buFont typeface="Arial" panose="020B0604020202020204" pitchFamily="34" charset="0"/>
+              <a:buChar char="•"/>
+            </a:pPr>
+            <a:r>
+              <a:rPr lang="he-IL" baseline="0" dirty="0"/>
+              <a:t>*****</a:t>
+            </a:r>
+            <a:r>
+              <a:rPr lang="en-US" baseline="0" dirty="0"/>
+              <a:t> </a:t>
+            </a:r>
+            <a:r>
+              <a:rPr lang="he-IL" baseline="0" dirty="0"/>
+              <a:t>נראה לי כדאי לסמן את העמודה של התוצאה בריבוע אדום או משהו שיבלוט</a:t>
+            </a:r>
+            <a:endParaRPr lang="en-US" dirty="0"/>
+          </a:p>
+        </p:txBody>
+      </p:sp>
+    </p:spTree>
+    <p:extLst>
+      <p:ext uri="{BB962C8B-B14F-4D97-AF65-F5344CB8AC3E}">
+        <p14:creationId xmlns:p14="http://schemas.microsoft.com/office/powerpoint/2010/main" val="1157049829"/>
+      </p:ext>
+    </p:extLst>
+  </p:cSld>
+  <p:clrMapOvr>
+    <a:masterClrMapping/>
+  </p:clrMapOvr>
+</p:notes>
+</file>
+
+<file path=ppt/notesSlides/notesSlide5.xml><?xml version="1.0" encoding="utf-8"?>
+<p:notes xmlns:a="http://schemas.openxmlformats.org/drawingml/2006/main" xmlns:r="http://schemas.openxmlformats.org/officeDocument/2006/relationships" xmlns:p="http://schemas.openxmlformats.org/presentationml/2006/main">
+  <p:cSld>
+    <p:spTree>
+      <p:nvGrpSpPr>
+        <p:cNvPr id="1" name=""/>
+        <p:cNvGrpSpPr/>
+        <p:nvPr/>
+      </p:nvGrpSpPr>
+      <p:grpSpPr>
+        <a:xfrm>
+          <a:off x="0" y="0"/>
+          <a:ext cx="0" cy="0"/>
+          <a:chOff x="0" y="0"/>
+          <a:chExt cx="0" cy="0"/>
+        </a:xfrm>
+      </p:grpSpPr>
+      <p:sp>
+        <p:nvSpPr>
+          <p:cNvPr id="2" name="Slide Image Placeholder 1"/>
+          <p:cNvSpPr>
+            <a:spLocks noGrp="1" noRot="1" noChangeAspect="1"/>
+          </p:cNvSpPr>
+          <p:nvPr>
+            <p:ph type="sldImg"/>
+          </p:nvPr>
+        </p:nvSpPr>
+        <p:spPr/>
+      </p:sp>
+      <p:sp>
+        <p:nvSpPr>
+          <p:cNvPr id="3" name="Notes Placeholder 2"/>
+          <p:cNvSpPr>
+            <a:spLocks noGrp="1"/>
+          </p:cNvSpPr>
+          <p:nvPr>
+            <p:ph type="body" idx="1"/>
+          </p:nvPr>
+        </p:nvSpPr>
+        <p:spPr/>
+        <p:txBody>
+          <a:bodyPr/>
+          <a:lstStyle/>
+          <a:p>
+            <a:pPr marL="342900" indent="-342900">
+              <a:buFont typeface="Arial" panose="020B0604020202020204" pitchFamily="34" charset="0"/>
+              <a:buChar char="•"/>
+            </a:pPr>
+            <a:r>
+              <a:rPr lang="en-US" baseline="0" dirty="0"/>
+              <a:t>Random Forest classifier uses 10 decision trees as base estimators</a:t>
+            </a:r>
+          </a:p>
+          <a:p>
+            <a:pPr marL="342900" indent="-342900">
+              <a:buFont typeface="Arial" panose="020B0604020202020204" pitchFamily="34" charset="0"/>
+              <a:buChar char="•"/>
+            </a:pPr>
+            <a:r>
+              <a:rPr lang="en-US" baseline="0" dirty="0"/>
+              <a:t>Results are always on the validation set</a:t>
+            </a:r>
+            <a:endParaRPr lang="en-US" dirty="0"/>
+          </a:p>
+        </p:txBody>
+      </p:sp>
+    </p:spTree>
+    <p:extLst>
+      <p:ext uri="{BB962C8B-B14F-4D97-AF65-F5344CB8AC3E}">
+        <p14:creationId xmlns:p14="http://schemas.microsoft.com/office/powerpoint/2010/main" val="3377712445"/>
+      </p:ext>
+    </p:extLst>
+  </p:cSld>
+  <p:clrMapOvr>
+    <a:masterClrMapping/>
+  </p:clrMapOvr>
+</p:notes>
+</file>
+
+<file path=ppt/notesSlides/notesSlide6.xml><?xml version="1.0" encoding="utf-8"?>
+<p:notes xmlns:a="http://schemas.openxmlformats.org/drawingml/2006/main" xmlns:r="http://schemas.openxmlformats.org/officeDocument/2006/relationships" xmlns:p="http://schemas.openxmlformats.org/presentationml/2006/main">
+  <p:cSld>
+    <p:spTree>
+      <p:nvGrpSpPr>
+        <p:cNvPr id="1" name=""/>
+        <p:cNvGrpSpPr/>
+        <p:nvPr/>
+      </p:nvGrpSpPr>
+      <p:grpSpPr>
+        <a:xfrm>
+          <a:off x="0" y="0"/>
+          <a:ext cx="0" cy="0"/>
+          <a:chOff x="0" y="0"/>
+          <a:chExt cx="0" cy="0"/>
+        </a:xfrm>
+      </p:grpSpPr>
+      <p:sp>
+        <p:nvSpPr>
+          <p:cNvPr id="2" name="Slide Image Placeholder 1"/>
+          <p:cNvSpPr>
+            <a:spLocks noGrp="1" noRot="1" noChangeAspect="1"/>
+          </p:cNvSpPr>
+          <p:nvPr>
+            <p:ph type="sldImg"/>
+          </p:nvPr>
+        </p:nvSpPr>
+        <p:spPr/>
+      </p:sp>
+      <p:sp>
+        <p:nvSpPr>
+          <p:cNvPr id="3" name="Notes Placeholder 2"/>
+          <p:cNvSpPr>
+            <a:spLocks noGrp="1"/>
+          </p:cNvSpPr>
+          <p:nvPr>
+            <p:ph type="body" idx="1"/>
+          </p:nvPr>
+        </p:nvSpPr>
+        <p:spPr/>
+        <p:txBody>
+          <a:bodyPr/>
+          <a:lstStyle/>
+          <a:p>
             <a:endParaRPr lang="en-US" dirty="0"/>
           </a:p>
         </p:txBody>
@@ -719,7 +1045,7 @@
 </p:notes>
 </file>
 
-<file path=ppt/notesSlides/notesSlide4.xml><?xml version="1.0" encoding="utf-8"?>
+<file path=ppt/notesSlides/notesSlide7.xml><?xml version="1.0" encoding="utf-8"?>
 <p:notes xmlns:a="http://schemas.openxmlformats.org/drawingml/2006/main" xmlns:r="http://schemas.openxmlformats.org/officeDocument/2006/relationships" xmlns:p="http://schemas.openxmlformats.org/presentationml/2006/main">
   <p:cSld>
     <p:spTree>
@@ -3416,7 +3742,7 @@
     <p:bg>
       <p:bgPr>
         <a:blipFill rotWithShape="1">
-          <a:blip r:embed="rId2"/>
+          <a:blip r:embed="rId3"/>
           <a:srcRect/>
           <a:tile tx="0" ty="0" sx="100000" sy="100000" flip="none" algn="tl"/>
         </a:blipFill>
@@ -3497,6 +3823,358 @@
 </file>
 
 <file path=ppt/slides/slide10.xml><?xml version="1.0" encoding="utf-8"?>
+<p:sld xmlns:a="http://schemas.openxmlformats.org/drawingml/2006/main" xmlns:r="http://schemas.openxmlformats.org/officeDocument/2006/relationships" xmlns:p="http://schemas.openxmlformats.org/presentationml/2006/main">
+  <p:cSld>
+    <p:spTree>
+      <p:nvGrpSpPr>
+        <p:cNvPr id="1" name=""/>
+        <p:cNvGrpSpPr/>
+        <p:nvPr/>
+      </p:nvGrpSpPr>
+      <p:grpSpPr>
+        <a:xfrm>
+          <a:off x="0" y="0"/>
+          <a:ext cx="0" cy="0"/>
+          <a:chOff x="0" y="0"/>
+          <a:chExt cx="0" cy="0"/>
+        </a:xfrm>
+      </p:grpSpPr>
+      <p:sp>
+        <p:nvSpPr>
+          <p:cNvPr id="125" name="The Dataset"/>
+          <p:cNvSpPr txBox="1">
+            <a:spLocks noGrp="1"/>
+          </p:cNvSpPr>
+          <p:nvPr>
+            <p:ph type="title"/>
+          </p:nvPr>
+        </p:nvSpPr>
+        <p:spPr>
+          <a:prstGeom prst="rect">
+            <a:avLst/>
+          </a:prstGeom>
+        </p:spPr>
+        <p:txBody>
+          <a:bodyPr/>
+          <a:lstStyle/>
+          <a:p>
+            <a:r>
+              <a:rPr lang="en-US" dirty="0"/>
+              <a:t>Next Steps</a:t>
+            </a:r>
+            <a:endParaRPr dirty="0"/>
+          </a:p>
+        </p:txBody>
+      </p:sp>
+      <p:sp>
+        <p:nvSpPr>
+          <p:cNvPr id="126" name="Time-Series data generated by accelerometer and gyroscope smartphone sensors.…"/>
+          <p:cNvSpPr txBox="1">
+            <a:spLocks noGrp="1"/>
+          </p:cNvSpPr>
+          <p:nvPr>
+            <p:ph type="body" idx="1"/>
+          </p:nvPr>
+        </p:nvSpPr>
+        <p:spPr>
+          <a:xfrm>
+            <a:off x="952500" y="3710393"/>
+            <a:ext cx="11099800" cy="6286500"/>
+          </a:xfrm>
+          <a:prstGeom prst="rect">
+            <a:avLst/>
+          </a:prstGeom>
+        </p:spPr>
+        <p:txBody>
+          <a:bodyPr>
+            <a:normAutofit/>
+          </a:bodyPr>
+          <a:lstStyle/>
+          <a:p>
+            <a:r>
+              <a:rPr lang="en-US" dirty="0"/>
+              <a:t>Increasing the accuracy by adding/changing features and fine tuning of the model’s hyper parameters</a:t>
+            </a:r>
+          </a:p>
+          <a:p>
+            <a:r>
+              <a:rPr lang="en-US" dirty="0"/>
+              <a:t>We want to be able to predict using less samples.</a:t>
+            </a:r>
+          </a:p>
+          <a:p>
+            <a:r>
+              <a:rPr lang="en-US" dirty="0"/>
+              <a:t>Checking more complex sequence models (LSTM, GRU) as a means to increase/maintain the accuracy while using a smaller window size. </a:t>
+            </a:r>
+          </a:p>
+          <a:p>
+            <a:r>
+              <a:rPr lang="en-US" dirty="0"/>
+              <a:t>Building a mobile application which will predict the user’s action on real time using our models</a:t>
+            </a:r>
+          </a:p>
+          <a:p>
+            <a:endParaRPr lang="en-US" dirty="0"/>
+          </a:p>
+          <a:p>
+            <a:endParaRPr lang="en-US" dirty="0"/>
+          </a:p>
+          <a:p>
+            <a:endParaRPr lang="en-US" dirty="0"/>
+          </a:p>
+        </p:txBody>
+      </p:sp>
+    </p:spTree>
+    <p:extLst>
+      <p:ext uri="{BB962C8B-B14F-4D97-AF65-F5344CB8AC3E}">
+        <p14:creationId xmlns:p14="http://schemas.microsoft.com/office/powerpoint/2010/main" val="3188372986"/>
+      </p:ext>
+    </p:extLst>
+  </p:cSld>
+  <p:clrMapOvr>
+    <a:masterClrMapping/>
+  </p:clrMapOvr>
+  <p:transition spd="med"/>
+  <p:timing>
+    <p:tnLst>
+      <p:par>
+        <p:cTn id="1" dur="indefinite" restart="never" fill="hold" nodeType="tmRoot">
+          <p:childTnLst>
+            <p:seq concurrent="1" prevAc="none" nextAc="seek">
+              <p:cTn id="2" dur="indefinite" fill="hold" nodeType="mainSeq">
+                <p:childTnLst>
+                  <p:par>
+                    <p:cTn id="3" fill="hold">
+                      <p:stCondLst>
+                        <p:cond delay="indefinite"/>
+                      </p:stCondLst>
+                      <p:childTnLst>
+                        <p:par>
+                          <p:cTn id="4" fill="hold">
+                            <p:stCondLst>
+                              <p:cond delay="0"/>
+                            </p:stCondLst>
+                            <p:childTnLst>
+                              <p:par>
+                                <p:cTn id="5" presetID="1" presetClass="entr" presetSubtype="0" fill="hold" grpId="0" nodeType="clickEffect">
+                                  <p:stCondLst>
+                                    <p:cond delay="0"/>
+                                  </p:stCondLst>
+                                  <p:iterate>
+                                    <p:tmAbs val="0"/>
+                                  </p:iterate>
+                                  <p:childTnLst>
+                                    <p:set>
+                                      <p:cBhvr>
+                                        <p:cTn id="6" fill="hold"/>
+                                        <p:tgtEl>
+                                          <p:spTgt spid="126">
+                                            <p:bg/>
+                                          </p:spTgt>
+                                        </p:tgtEl>
+                                        <p:attrNameLst>
+                                          <p:attrName>style.visibility</p:attrName>
+                                        </p:attrNameLst>
+                                      </p:cBhvr>
+                                      <p:to>
+                                        <p:strVal val="visible"/>
+                                      </p:to>
+                                    </p:set>
+                                  </p:childTnLst>
+                                </p:cTn>
+                              </p:par>
+                            </p:childTnLst>
+                          </p:cTn>
+                        </p:par>
+                        <p:par>
+                          <p:cTn id="7" fill="hold">
+                            <p:stCondLst>
+                              <p:cond delay="0"/>
+                            </p:stCondLst>
+                            <p:childTnLst>
+                              <p:par>
+                                <p:cTn id="8" presetID="1" presetClass="entr" presetSubtype="0" fill="hold" grpId="0" nodeType="afterEffect">
+                                  <p:stCondLst>
+                                    <p:cond delay="0"/>
+                                  </p:stCondLst>
+                                  <p:iterate>
+                                    <p:tmAbs val="0"/>
+                                  </p:iterate>
+                                  <p:childTnLst>
+                                    <p:set>
+                                      <p:cBhvr>
+                                        <p:cTn id="9" fill="hold"/>
+                                        <p:tgtEl>
+                                          <p:spTgt spid="126">
+                                            <p:txEl>
+                                              <p:pRg st="0" end="0"/>
+                                            </p:txEl>
+                                          </p:spTgt>
+                                        </p:tgtEl>
+                                        <p:attrNameLst>
+                                          <p:attrName>style.visibility</p:attrName>
+                                        </p:attrNameLst>
+                                      </p:cBhvr>
+                                      <p:to>
+                                        <p:strVal val="visible"/>
+                                      </p:to>
+                                    </p:set>
+                                  </p:childTnLst>
+                                </p:cTn>
+                              </p:par>
+                            </p:childTnLst>
+                          </p:cTn>
+                        </p:par>
+                        <p:par>
+                          <p:cTn id="10" fill="hold">
+                            <p:stCondLst>
+                              <p:cond delay="0"/>
+                            </p:stCondLst>
+                            <p:childTnLst>
+                              <p:par>
+                                <p:cTn id="11" presetID="1" presetClass="entr" presetSubtype="0" fill="hold" grpId="0" nodeType="afterEffect">
+                                  <p:stCondLst>
+                                    <p:cond delay="0"/>
+                                  </p:stCondLst>
+                                  <p:iterate>
+                                    <p:tmAbs val="0"/>
+                                  </p:iterate>
+                                  <p:childTnLst>
+                                    <p:set>
+                                      <p:cBhvr>
+                                        <p:cTn id="12" fill="hold"/>
+                                        <p:tgtEl>
+                                          <p:spTgt spid="126">
+                                            <p:txEl>
+                                              <p:pRg st="1" end="1"/>
+                                            </p:txEl>
+                                          </p:spTgt>
+                                        </p:tgtEl>
+                                        <p:attrNameLst>
+                                          <p:attrName>style.visibility</p:attrName>
+                                        </p:attrNameLst>
+                                      </p:cBhvr>
+                                      <p:to>
+                                        <p:strVal val="visible"/>
+                                      </p:to>
+                                    </p:set>
+                                  </p:childTnLst>
+                                </p:cTn>
+                              </p:par>
+                            </p:childTnLst>
+                          </p:cTn>
+                        </p:par>
+                        <p:par>
+                          <p:cTn id="13" fill="hold">
+                            <p:stCondLst>
+                              <p:cond delay="0"/>
+                            </p:stCondLst>
+                            <p:childTnLst>
+                              <p:par>
+                                <p:cTn id="14" presetID="1" presetClass="entr" presetSubtype="0" fill="hold" grpId="0" nodeType="afterEffect">
+                                  <p:stCondLst>
+                                    <p:cond delay="0"/>
+                                  </p:stCondLst>
+                                  <p:iterate>
+                                    <p:tmAbs val="0"/>
+                                  </p:iterate>
+                                  <p:childTnLst>
+                                    <p:set>
+                                      <p:cBhvr>
+                                        <p:cTn id="15" fill="hold"/>
+                                        <p:tgtEl>
+                                          <p:spTgt spid="126">
+                                            <p:txEl>
+                                              <p:pRg st="2" end="2"/>
+                                            </p:txEl>
+                                          </p:spTgt>
+                                        </p:tgtEl>
+                                        <p:attrNameLst>
+                                          <p:attrName>style.visibility</p:attrName>
+                                        </p:attrNameLst>
+                                      </p:cBhvr>
+                                      <p:to>
+                                        <p:strVal val="visible"/>
+                                      </p:to>
+                                    </p:set>
+                                  </p:childTnLst>
+                                </p:cTn>
+                              </p:par>
+                            </p:childTnLst>
+                          </p:cTn>
+                        </p:par>
+                        <p:par>
+                          <p:cTn id="16" fill="hold">
+                            <p:stCondLst>
+                              <p:cond delay="0"/>
+                            </p:stCondLst>
+                            <p:childTnLst>
+                              <p:par>
+                                <p:cTn id="17" presetID="1" presetClass="entr" presetSubtype="0" fill="hold" grpId="0" nodeType="afterEffect">
+                                  <p:stCondLst>
+                                    <p:cond delay="0"/>
+                                  </p:stCondLst>
+                                  <p:iterate>
+                                    <p:tmAbs val="0"/>
+                                  </p:iterate>
+                                  <p:childTnLst>
+                                    <p:set>
+                                      <p:cBhvr>
+                                        <p:cTn id="18" fill="hold"/>
+                                        <p:tgtEl>
+                                          <p:spTgt spid="126">
+                                            <p:txEl>
+                                              <p:pRg st="3" end="3"/>
+                                            </p:txEl>
+                                          </p:spTgt>
+                                        </p:tgtEl>
+                                        <p:attrNameLst>
+                                          <p:attrName>style.visibility</p:attrName>
+                                        </p:attrNameLst>
+                                      </p:cBhvr>
+                                      <p:to>
+                                        <p:strVal val="visible"/>
+                                      </p:to>
+                                    </p:set>
+                                  </p:childTnLst>
+                                </p:cTn>
+                              </p:par>
+                            </p:childTnLst>
+                          </p:cTn>
+                        </p:par>
+                      </p:childTnLst>
+                    </p:cTn>
+                  </p:par>
+                </p:childTnLst>
+              </p:cTn>
+              <p:prevCondLst>
+                <p:cond evt="onPrev" delay="0">
+                  <p:tgtEl>
+                    <p:sldTgt/>
+                  </p:tgtEl>
+                </p:cond>
+              </p:prevCondLst>
+              <p:nextCondLst>
+                <p:cond evt="onNext" delay="0">
+                  <p:tgtEl>
+                    <p:sldTgt/>
+                  </p:tgtEl>
+                </p:cond>
+              </p:nextCondLst>
+            </p:seq>
+          </p:childTnLst>
+        </p:cTn>
+      </p:par>
+    </p:tnLst>
+    <p:bldLst>
+      <p:bldP spid="126" grpId="0" build="p" bldLvl="5" animBg="1" advAuto="0"/>
+    </p:bldLst>
+  </p:timing>
+</p:sld>
+</file>
+
+<file path=ppt/slides/slide11.xml><?xml version="1.0" encoding="utf-8"?>
 <p:sld xmlns:a="http://schemas.openxmlformats.org/drawingml/2006/main" xmlns:r="http://schemas.openxmlformats.org/officeDocument/2006/relationships" xmlns:p="http://schemas.openxmlformats.org/presentationml/2006/main">
   <p:cSld>
     <p:bg>
@@ -3548,41 +4226,6 @@
           <a:p>
             <a:r>
               <a:t>Thank You!</a:t>
-            </a:r>
-          </a:p>
-        </p:txBody>
-      </p:sp>
-      <p:sp>
-        <p:nvSpPr>
-          <p:cNvPr id="145" name="For more information: https://github.com/idocal/workshop/blob/master/MotionSenese/initial-analysis.ipynb"/>
-          <p:cNvSpPr txBox="1">
-            <a:spLocks noGrp="1"/>
-          </p:cNvSpPr>
-          <p:nvPr>
-            <p:ph type="body" idx="1"/>
-          </p:nvPr>
-        </p:nvSpPr>
-        <p:spPr>
-          <a:prstGeom prst="rect">
-            <a:avLst/>
-          </a:prstGeom>
-        </p:spPr>
-        <p:txBody>
-          <a:bodyPr anchor="b"/>
-          <a:lstStyle/>
-          <a:p>
-            <a:r>
-              <a:t>For more information:</a:t>
-            </a:r>
-            <a:br/>
-            <a:r>
-              <a:rPr u="sng">
-                <a:solidFill>
-                  <a:srgbClr val="A9A9A9"/>
-                </a:solidFill>
-                <a:hlinkClick r:id="rId3"/>
-              </a:rPr>
-              <a:t>https://github.com/idocal/workshop/blob/master/MotionSenese/initial-analysis.ipynb</a:t>
             </a:r>
           </a:p>
         </p:txBody>
@@ -3643,6 +4286,7 @@
           <a:lstStyle/>
           <a:p>
             <a:r>
+              <a:rPr dirty="0"/>
               <a:t>The Problem</a:t>
             </a:r>
           </a:p>
@@ -3659,6 +4303,10 @@
           </p:nvPr>
         </p:nvSpPr>
         <p:spPr>
+          <a:xfrm>
+            <a:off x="952500" y="1521883"/>
+            <a:ext cx="11099800" cy="6286500"/>
+          </a:xfrm>
           <a:prstGeom prst="rect">
             <a:avLst/>
           </a:prstGeom>
@@ -3668,10 +4316,11 @@
           <a:lstStyle/>
           <a:p>
             <a:r>
+              <a:rPr dirty="0"/>
               <a:t>Predict which activity </a:t>
             </a:r>
             <a:r>
-              <a:rPr>
+              <a:rPr dirty="0">
                 <a:solidFill>
                   <a:schemeClr val="accent4">
                     <a:hueOff val="468000"/>
@@ -3683,19 +4332,27 @@
               <a:t>(walking, sitting, etc.) </a:t>
             </a:r>
             <a:r>
+              <a:rPr dirty="0"/>
               <a:t>is being performed using phone sensors data analysis</a:t>
             </a:r>
           </a:p>
           <a:p>
             <a:r>
+              <a:rPr dirty="0"/>
               <a:t>Working with Time-Series data:</a:t>
             </a:r>
-            <a:br/>
-            <a:r>
+            <a:br>
+              <a:rPr dirty="0"/>
+            </a:br>
+            <a:r>
+              <a:rPr dirty="0"/>
               <a:t>- Data is only meaningful as bulks</a:t>
             </a:r>
-            <a:br/>
-            <a:r>
+            <a:br>
+              <a:rPr dirty="0"/>
+            </a:br>
+            <a:r>
+              <a:rPr dirty="0"/>
               <a:t>- Raw data do not fit classic ML algorithm</a:t>
             </a:r>
           </a:p>
@@ -3930,6 +4587,10 @@
           </p:nvPr>
         </p:nvSpPr>
         <p:spPr>
+          <a:xfrm>
+            <a:off x="952500" y="1659467"/>
+            <a:ext cx="11099800" cy="6286500"/>
+          </a:xfrm>
           <a:prstGeom prst="rect">
             <a:avLst/>
           </a:prstGeom>
@@ -4308,7 +4969,15 @@
           <a:p>
             <a:r>
               <a:rPr dirty="0"/>
-              <a:t>The Features</a:t>
+              <a:t>The </a:t>
+            </a:r>
+            <a:r>
+              <a:rPr lang="en-US" dirty="0"/>
+              <a:t>Original </a:t>
+            </a:r>
+            <a:r>
+              <a:rPr dirty="0"/>
+              <a:t>Features</a:t>
             </a:r>
           </a:p>
         </p:txBody>
@@ -4803,7 +5472,7 @@
           <a:lstStyle/>
           <a:p>
             <a:r>
-              <a:rPr lang="en-US" dirty="0" smtClean="0"/>
+              <a:rPr lang="en-US" dirty="0"/>
               <a:t>Feature Engineering</a:t>
             </a:r>
             <a:endParaRPr dirty="0"/>
@@ -4821,43 +5490,51 @@
           </p:nvPr>
         </p:nvSpPr>
         <p:spPr>
+          <a:xfrm>
+            <a:off x="952500" y="2175934"/>
+            <a:ext cx="11099800" cy="6286500"/>
+          </a:xfrm>
           <a:prstGeom prst="rect">
             <a:avLst/>
           </a:prstGeom>
         </p:spPr>
         <p:txBody>
-          <a:bodyPr/>
+          <a:bodyPr>
+            <a:normAutofit/>
+          </a:bodyPr>
           <a:lstStyle/>
           <a:p>
             <a:r>
-              <a:rPr lang="en-US" dirty="0" smtClean="0"/>
-              <a:t>Need to decode “history” as features for each sample</a:t>
-            </a:r>
-          </a:p>
-          <a:p>
-            <a:r>
-              <a:rPr lang="en-US" dirty="0" smtClean="0"/>
-              <a:t>Two approaches</a:t>
-            </a:r>
-          </a:p>
-          <a:p>
-            <a:pPr lvl="1"/>
-            <a:r>
-              <a:rPr lang="en-US" dirty="0" smtClean="0"/>
-              <a:t>Aggregate history over a sliding window</a:t>
-            </a:r>
-          </a:p>
-          <a:p>
-            <a:pPr lvl="1"/>
-            <a:r>
-              <a:rPr lang="en-US" dirty="0" smtClean="0"/>
-              <a:t>Concatenate history as a long vector</a:t>
-            </a:r>
-          </a:p>
-          <a:p>
-            <a:r>
-              <a:rPr lang="en-US" dirty="0" smtClean="0"/>
-              <a:t>How much history to consider?</a:t>
+              <a:rPr lang="en-US" dirty="0"/>
+              <a:t>The goal – encoding time history as meaningful features.</a:t>
+            </a:r>
+          </a:p>
+          <a:p>
+            <a:r>
+              <a:rPr lang="en-US" dirty="0"/>
+              <a:t>Two approaches:</a:t>
+            </a:r>
+          </a:p>
+          <a:p>
+            <a:pPr marL="958850" lvl="1" indent="-514350">
+              <a:buSzPct val="100000"/>
+              <a:buFont typeface="+mj-lt"/>
+              <a:buAutoNum type="arabicParenR"/>
+            </a:pPr>
+            <a:r>
+              <a:rPr lang="en-US" dirty="0"/>
+              <a:t>Concatenating history as a long vector</a:t>
+            </a:r>
+          </a:p>
+          <a:p>
+            <a:pPr marL="958850" lvl="1" indent="-514350">
+              <a:buSzPct val="100000"/>
+              <a:buFont typeface="+mj-lt"/>
+              <a:buAutoNum type="arabicParenR"/>
+            </a:pPr>
+            <a:r>
+              <a:rPr lang="en-US" dirty="0"/>
+              <a:t>Aggregating samples in a sliding window</a:t>
             </a:r>
           </a:p>
         </p:txBody>
@@ -4865,7 +5542,7 @@
     </p:spTree>
     <p:extLst>
       <p:ext uri="{BB962C8B-B14F-4D97-AF65-F5344CB8AC3E}">
-        <p14:creationId xmlns:p14="http://schemas.microsoft.com/office/powerpoint/2010/main" val="970982473"/>
+        <p14:creationId xmlns:p14="http://schemas.microsoft.com/office/powerpoint/2010/main" val="3973153671"/>
       </p:ext>
     </p:extLst>
   </p:cSld>
@@ -5071,45 +5748,6 @@
                             </p:childTnLst>
                           </p:cTn>
                         </p:par>
-                        <p:par>
-                          <p:cTn id="18" fill="hold">
-                            <p:stCondLst>
-                              <p:cond delay="0"/>
-                            </p:stCondLst>
-                            <p:childTnLst>
-                              <p:par>
-                                <p:cTn id="19" presetID="1" presetClass="entr" presetSubtype="0" fill="hold" grpId="0" nodeType="afterEffect">
-                                  <p:stCondLst>
-                                    <p:cond delay="0"/>
-                                  </p:stCondLst>
-                                  <p:iterate>
-                                    <p:tmAbs val="0"/>
-                                  </p:iterate>
-                                  <p:childTnLst>
-                                    <p:set>
-                                      <p:cBhvr>
-                                        <p:cTn id="20" fill="hold"/>
-                                        <p:tgtEl>
-                                          <p:spTgt spid="126">
-                                            <p:txEl>
-                                              <p:pRg st="4" end="4"/>
-                                            </p:txEl>
-                                          </p:spTgt>
-                                        </p:tgtEl>
-                                        <p:attrNameLst>
-                                          <p:attrName>style.visibility</p:attrName>
-                                        </p:attrNameLst>
-                                      </p:cBhvr>
-                                      <p:to>
-                                        <p:strVal val="visible"/>
-                                      </p:to>
-                                    </p:set>
-                                  </p:childTnLst>
-                                </p:cTn>
-                              </p:par>
-                            </p:childTnLst>
-                          </p:cTn>
-                        </p:par>
                       </p:childTnLst>
                     </p:cTn>
                   </p:par>
@@ -5178,7 +5816,366 @@
           <a:lstStyle/>
           <a:p>
             <a:r>
-              <a:rPr lang="en-US" dirty="0" smtClean="0"/>
+              <a:rPr lang="en-US" dirty="0"/>
+              <a:t>Feature Engineering</a:t>
+            </a:r>
+            <a:endParaRPr dirty="0"/>
+          </a:p>
+        </p:txBody>
+      </p:sp>
+      <p:sp>
+        <p:nvSpPr>
+          <p:cNvPr id="126" name="Time-Series data generated by accelerometer and gyroscope smartphone sensors.…"/>
+          <p:cNvSpPr txBox="1">
+            <a:spLocks noGrp="1"/>
+          </p:cNvSpPr>
+          <p:nvPr>
+            <p:ph type="body" idx="1"/>
+          </p:nvPr>
+        </p:nvSpPr>
+        <p:spPr>
+          <a:xfrm>
+            <a:off x="952500" y="2175934"/>
+            <a:ext cx="11099800" cy="6286500"/>
+          </a:xfrm>
+          <a:prstGeom prst="rect">
+            <a:avLst/>
+          </a:prstGeom>
+        </p:spPr>
+        <p:txBody>
+          <a:bodyPr>
+            <a:normAutofit/>
+          </a:bodyPr>
+          <a:lstStyle/>
+          <a:p>
+            <a:pPr marL="0" indent="0">
+              <a:buNone/>
+            </a:pPr>
+            <a:r>
+              <a:rPr lang="en-US" dirty="0"/>
+              <a:t>Questions we encountered:</a:t>
+            </a:r>
+          </a:p>
+          <a:p>
+            <a:pPr marL="514350" indent="-514350">
+              <a:buSzPct val="100000"/>
+              <a:buFont typeface="+mj-lt"/>
+              <a:buAutoNum type="arabicParenR"/>
+            </a:pPr>
+            <a:r>
+              <a:rPr lang="en-US" dirty="0"/>
+              <a:t>How long should the window be?</a:t>
+            </a:r>
+          </a:p>
+          <a:p>
+            <a:pPr marL="514350" indent="-514350">
+              <a:buSzPct val="100000"/>
+              <a:buFont typeface="+mj-lt"/>
+              <a:buAutoNum type="arabicParenR"/>
+            </a:pPr>
+            <a:r>
+              <a:rPr lang="en-US" dirty="0"/>
+              <a:t>What should be actually sliding on? Samples? STD? Local min/max? Global min/max? Mean? Avg? </a:t>
+            </a:r>
+          </a:p>
+          <a:p>
+            <a:pPr marL="0" indent="0">
+              <a:buNone/>
+            </a:pPr>
+            <a:r>
+              <a:rPr lang="en-US" dirty="0"/>
+              <a:t>We chose to start with Mean and STD. </a:t>
+            </a:r>
+          </a:p>
+        </p:txBody>
+      </p:sp>
+    </p:spTree>
+    <p:extLst>
+      <p:ext uri="{BB962C8B-B14F-4D97-AF65-F5344CB8AC3E}">
+        <p14:creationId xmlns:p14="http://schemas.microsoft.com/office/powerpoint/2010/main" val="970982473"/>
+      </p:ext>
+    </p:extLst>
+  </p:cSld>
+  <p:clrMapOvr>
+    <a:masterClrMapping/>
+  </p:clrMapOvr>
+  <p:transition spd="med"/>
+  <p:timing>
+    <p:tnLst>
+      <p:par>
+        <p:cTn id="1" dur="indefinite" restart="never" fill="hold" nodeType="tmRoot">
+          <p:childTnLst>
+            <p:seq concurrent="1" prevAc="none" nextAc="seek">
+              <p:cTn id="2" dur="indefinite" fill="hold" nodeType="mainSeq">
+                <p:childTnLst>
+                  <p:par>
+                    <p:cTn id="3" fill="hold">
+                      <p:stCondLst>
+                        <p:cond delay="indefinite"/>
+                      </p:stCondLst>
+                      <p:childTnLst>
+                        <p:par>
+                          <p:cTn id="4" fill="hold">
+                            <p:stCondLst>
+                              <p:cond delay="0"/>
+                            </p:stCondLst>
+                            <p:childTnLst>
+                              <p:par>
+                                <p:cTn id="5" presetID="1" presetClass="entr" presetSubtype="0" fill="hold" grpId="0" nodeType="clickEffect">
+                                  <p:stCondLst>
+                                    <p:cond delay="0"/>
+                                  </p:stCondLst>
+                                  <p:iterate>
+                                    <p:tmAbs val="0"/>
+                                  </p:iterate>
+                                  <p:childTnLst>
+                                    <p:set>
+                                      <p:cBhvr>
+                                        <p:cTn id="6" fill="hold"/>
+                                        <p:tgtEl>
+                                          <p:spTgt spid="126">
+                                            <p:bg/>
+                                          </p:spTgt>
+                                        </p:tgtEl>
+                                        <p:attrNameLst>
+                                          <p:attrName>style.visibility</p:attrName>
+                                        </p:attrNameLst>
+                                      </p:cBhvr>
+                                      <p:to>
+                                        <p:strVal val="visible"/>
+                                      </p:to>
+                                    </p:set>
+                                  </p:childTnLst>
+                                </p:cTn>
+                              </p:par>
+                            </p:childTnLst>
+                          </p:cTn>
+                        </p:par>
+                        <p:par>
+                          <p:cTn id="7" fill="hold">
+                            <p:stCondLst>
+                              <p:cond delay="0"/>
+                            </p:stCondLst>
+                            <p:childTnLst>
+                              <p:par>
+                                <p:cTn id="8" presetID="1" presetClass="entr" presetSubtype="0" fill="hold" grpId="0" nodeType="afterEffect">
+                                  <p:stCondLst>
+                                    <p:cond delay="0"/>
+                                  </p:stCondLst>
+                                  <p:iterate>
+                                    <p:tmAbs val="0"/>
+                                  </p:iterate>
+                                  <p:childTnLst>
+                                    <p:set>
+                                      <p:cBhvr>
+                                        <p:cTn id="9" fill="hold"/>
+                                        <p:tgtEl>
+                                          <p:spTgt spid="126">
+                                            <p:txEl>
+                                              <p:pRg st="0" end="0"/>
+                                            </p:txEl>
+                                          </p:spTgt>
+                                        </p:tgtEl>
+                                        <p:attrNameLst>
+                                          <p:attrName>style.visibility</p:attrName>
+                                        </p:attrNameLst>
+                                      </p:cBhvr>
+                                      <p:to>
+                                        <p:strVal val="visible"/>
+                                      </p:to>
+                                    </p:set>
+                                  </p:childTnLst>
+                                </p:cTn>
+                              </p:par>
+                            </p:childTnLst>
+                          </p:cTn>
+                        </p:par>
+                        <p:par>
+                          <p:cTn id="10" fill="hold">
+                            <p:stCondLst>
+                              <p:cond delay="0"/>
+                            </p:stCondLst>
+                            <p:childTnLst>
+                              <p:par>
+                                <p:cTn id="11" presetID="1" presetClass="entr" presetSubtype="0" fill="hold" grpId="0" nodeType="afterEffect">
+                                  <p:stCondLst>
+                                    <p:cond delay="0"/>
+                                  </p:stCondLst>
+                                  <p:iterate>
+                                    <p:tmAbs val="0"/>
+                                  </p:iterate>
+                                  <p:childTnLst>
+                                    <p:set>
+                                      <p:cBhvr>
+                                        <p:cTn id="12" fill="hold"/>
+                                        <p:tgtEl>
+                                          <p:spTgt spid="126">
+                                            <p:txEl>
+                                              <p:pRg st="1" end="1"/>
+                                            </p:txEl>
+                                          </p:spTgt>
+                                        </p:tgtEl>
+                                        <p:attrNameLst>
+                                          <p:attrName>style.visibility</p:attrName>
+                                        </p:attrNameLst>
+                                      </p:cBhvr>
+                                      <p:to>
+                                        <p:strVal val="visible"/>
+                                      </p:to>
+                                    </p:set>
+                                  </p:childTnLst>
+                                </p:cTn>
+                              </p:par>
+                            </p:childTnLst>
+                          </p:cTn>
+                        </p:par>
+                        <p:par>
+                          <p:cTn id="13" fill="hold">
+                            <p:stCondLst>
+                              <p:cond delay="0"/>
+                            </p:stCondLst>
+                            <p:childTnLst>
+                              <p:par>
+                                <p:cTn id="14" presetID="1" presetClass="entr" presetSubtype="0" fill="hold" grpId="0" nodeType="afterEffect">
+                                  <p:stCondLst>
+                                    <p:cond delay="0"/>
+                                  </p:stCondLst>
+                                  <p:iterate>
+                                    <p:tmAbs val="0"/>
+                                  </p:iterate>
+                                  <p:childTnLst>
+                                    <p:set>
+                                      <p:cBhvr>
+                                        <p:cTn id="15" fill="hold"/>
+                                        <p:tgtEl>
+                                          <p:spTgt spid="126">
+                                            <p:txEl>
+                                              <p:pRg st="2" end="2"/>
+                                            </p:txEl>
+                                          </p:spTgt>
+                                        </p:tgtEl>
+                                        <p:attrNameLst>
+                                          <p:attrName>style.visibility</p:attrName>
+                                        </p:attrNameLst>
+                                      </p:cBhvr>
+                                      <p:to>
+                                        <p:strVal val="visible"/>
+                                      </p:to>
+                                    </p:set>
+                                  </p:childTnLst>
+                                </p:cTn>
+                              </p:par>
+                            </p:childTnLst>
+                          </p:cTn>
+                        </p:par>
+                        <p:par>
+                          <p:cTn id="16" fill="hold">
+                            <p:stCondLst>
+                              <p:cond delay="0"/>
+                            </p:stCondLst>
+                            <p:childTnLst>
+                              <p:par>
+                                <p:cTn id="17" presetID="1" presetClass="entr" presetSubtype="0" fill="hold" grpId="0" nodeType="afterEffect">
+                                  <p:stCondLst>
+                                    <p:cond delay="0"/>
+                                  </p:stCondLst>
+                                  <p:iterate>
+                                    <p:tmAbs val="0"/>
+                                  </p:iterate>
+                                  <p:childTnLst>
+                                    <p:set>
+                                      <p:cBhvr>
+                                        <p:cTn id="18" fill="hold"/>
+                                        <p:tgtEl>
+                                          <p:spTgt spid="126">
+                                            <p:txEl>
+                                              <p:pRg st="3" end="3"/>
+                                            </p:txEl>
+                                          </p:spTgt>
+                                        </p:tgtEl>
+                                        <p:attrNameLst>
+                                          <p:attrName>style.visibility</p:attrName>
+                                        </p:attrNameLst>
+                                      </p:cBhvr>
+                                      <p:to>
+                                        <p:strVal val="visible"/>
+                                      </p:to>
+                                    </p:set>
+                                  </p:childTnLst>
+                                </p:cTn>
+                              </p:par>
+                            </p:childTnLst>
+                          </p:cTn>
+                        </p:par>
+                      </p:childTnLst>
+                    </p:cTn>
+                  </p:par>
+                </p:childTnLst>
+              </p:cTn>
+              <p:prevCondLst>
+                <p:cond evt="onPrev" delay="0">
+                  <p:tgtEl>
+                    <p:sldTgt/>
+                  </p:tgtEl>
+                </p:cond>
+              </p:prevCondLst>
+              <p:nextCondLst>
+                <p:cond evt="onNext" delay="0">
+                  <p:tgtEl>
+                    <p:sldTgt/>
+                  </p:tgtEl>
+                </p:cond>
+              </p:nextCondLst>
+            </p:seq>
+          </p:childTnLst>
+        </p:cTn>
+      </p:par>
+    </p:tnLst>
+    <p:bldLst>
+      <p:bldP spid="126" grpId="0" build="p" bldLvl="5" animBg="1" advAuto="0"/>
+    </p:bldLst>
+  </p:timing>
+</p:sld>
+</file>
+
+<file path=ppt/slides/slide7.xml><?xml version="1.0" encoding="utf-8"?>
+<p:sld xmlns:a="http://schemas.openxmlformats.org/drawingml/2006/main" xmlns:r="http://schemas.openxmlformats.org/officeDocument/2006/relationships" xmlns:p="http://schemas.openxmlformats.org/presentationml/2006/main">
+  <p:cSld>
+    <p:spTree>
+      <p:nvGrpSpPr>
+        <p:cNvPr id="1" name=""/>
+        <p:cNvGrpSpPr/>
+        <p:nvPr/>
+      </p:nvGrpSpPr>
+      <p:grpSpPr>
+        <a:xfrm>
+          <a:off x="0" y="0"/>
+          <a:ext cx="0" cy="0"/>
+          <a:chOff x="0" y="0"/>
+          <a:chExt cx="0" cy="0"/>
+        </a:xfrm>
+      </p:grpSpPr>
+      <p:sp>
+        <p:nvSpPr>
+          <p:cNvPr id="125" name="The Dataset"/>
+          <p:cNvSpPr txBox="1">
+            <a:spLocks noGrp="1"/>
+          </p:cNvSpPr>
+          <p:nvPr>
+            <p:ph type="title"/>
+          </p:nvPr>
+        </p:nvSpPr>
+        <p:spPr>
+          <a:prstGeom prst="rect">
+            <a:avLst/>
+          </a:prstGeom>
+        </p:spPr>
+        <p:txBody>
+          <a:bodyPr/>
+          <a:lstStyle/>
+          <a:p>
+            <a:r>
+              <a:rPr lang="en-US" dirty="0"/>
               <a:t>Initial Results</a:t>
             </a:r>
             <a:endParaRPr dirty="0"/>
@@ -5205,27 +6202,27 @@
           <a:lstStyle/>
           <a:p>
             <a:r>
-              <a:rPr lang="en-US" dirty="0" smtClean="0"/>
-              <a:t>For each approach run a linear model and non linear model</a:t>
-            </a:r>
-          </a:p>
-          <a:p>
-            <a:r>
-              <a:rPr lang="en-US" dirty="0" smtClean="0"/>
-              <a:t>Logistic Regression model didn’t show good results on validation set</a:t>
+              <a:rPr lang="en-US" dirty="0"/>
+              <a:t>We ran a linear model and non linear model for each approach (vector/sliding window)</a:t>
+            </a:r>
+          </a:p>
+          <a:p>
+            <a:r>
+              <a:rPr lang="en-US" dirty="0"/>
+              <a:t>Logistic Regression did not achieve good results on the validation set</a:t>
             </a:r>
           </a:p>
           <a:p>
             <a:endParaRPr lang="en-US" dirty="0"/>
           </a:p>
           <a:p>
-            <a:endParaRPr lang="en-US" dirty="0" smtClean="0"/>
-          </a:p>
-          <a:p>
             <a:endParaRPr lang="en-US" dirty="0"/>
           </a:p>
           <a:p>
-            <a:endParaRPr lang="en-US" dirty="0" smtClean="0"/>
+            <a:endParaRPr lang="en-US" dirty="0"/>
+          </a:p>
+          <a:p>
+            <a:endParaRPr lang="en-US" dirty="0"/>
           </a:p>
         </p:txBody>
       </p:sp>
@@ -5294,13 +6291,13 @@
           <a:lstStyle/>
           <a:p>
             <a:r>
-              <a:rPr lang="en-US" dirty="0" smtClean="0"/>
+              <a:rPr lang="en-US" dirty="0"/>
               <a:t>History encoded</a:t>
             </a:r>
           </a:p>
           <a:p>
             <a:r>
-              <a:rPr lang="en-US" dirty="0" smtClean="0"/>
+              <a:rPr lang="en-US" dirty="0"/>
               <a:t> data set</a:t>
             </a:r>
             <a:endParaRPr kumimoji="0" lang="en-US" sz="2400" b="1" i="0" u="none" strike="noStrike" cap="none" spc="0" normalizeH="0" baseline="0" dirty="0">
@@ -5385,13 +6382,13 @@
           <a:lstStyle/>
           <a:p>
             <a:r>
-              <a:rPr lang="en-US" dirty="0" smtClean="0"/>
+              <a:rPr lang="en-US" dirty="0"/>
               <a:t>Aggregate window</a:t>
             </a:r>
           </a:p>
           <a:p>
             <a:r>
-              <a:rPr lang="en-US" dirty="0" smtClean="0"/>
+              <a:rPr lang="en-US" dirty="0"/>
               <a:t> data set</a:t>
             </a:r>
             <a:endParaRPr kumimoji="0" lang="en-US" sz="2400" b="1" i="0" u="none" strike="noStrike" cap="none" spc="0" normalizeH="0" baseline="0" dirty="0">
@@ -5573,7 +6570,7 @@
 </p:sld>
 </file>
 
-<file path=ppt/slides/slide7.xml><?xml version="1.0" encoding="utf-8"?>
+<file path=ppt/slides/slide8.xml><?xml version="1.0" encoding="utf-8"?>
 <p:sld xmlns:a="http://schemas.openxmlformats.org/drawingml/2006/main" xmlns:r="http://schemas.openxmlformats.org/officeDocument/2006/relationships" xmlns:p="http://schemas.openxmlformats.org/presentationml/2006/main">
   <p:cSld>
     <p:spTree>
@@ -5610,7 +6607,7 @@
           <a:lstStyle/>
           <a:p>
             <a:r>
-              <a:rPr lang="en-US" dirty="0" smtClean="0"/>
+              <a:rPr lang="en-US" dirty="0"/>
               <a:t>Initial Results</a:t>
             </a:r>
             <a:endParaRPr dirty="0"/>
@@ -5628,6 +6625,10 @@
           </p:nvPr>
         </p:nvSpPr>
         <p:spPr>
+          <a:xfrm>
+            <a:off x="952500" y="1998131"/>
+            <a:ext cx="11099800" cy="6286500"/>
+          </a:xfrm>
           <a:prstGeom prst="rect">
             <a:avLst/>
           </a:prstGeom>
@@ -5637,21 +6638,21 @@
           <a:lstStyle/>
           <a:p>
             <a:r>
-              <a:rPr lang="en-US" dirty="0" smtClean="0"/>
-              <a:t>Random Forest classifier with showed much better result – implying the data is not linearly separable with current features</a:t>
+              <a:rPr lang="en-US" dirty="0"/>
+              <a:t>Random Forest classifier got much better results – implying the data is not linearly separable with current features</a:t>
             </a:r>
           </a:p>
           <a:p>
             <a:endParaRPr lang="en-US" dirty="0"/>
           </a:p>
           <a:p>
-            <a:endParaRPr lang="en-US" dirty="0" smtClean="0"/>
-          </a:p>
-          <a:p>
             <a:endParaRPr lang="en-US" dirty="0"/>
           </a:p>
           <a:p>
-            <a:endParaRPr lang="en-US" dirty="0" smtClean="0"/>
+            <a:endParaRPr lang="en-US" dirty="0"/>
+          </a:p>
+          <a:p>
+            <a:endParaRPr lang="en-US" dirty="0"/>
           </a:p>
         </p:txBody>
       </p:sp>
@@ -5663,8 +6664,8 @@
         </p:nvSpPr>
         <p:spPr>
           <a:xfrm>
-            <a:off x="7367453" y="5588665"/>
-            <a:ext cx="3722915" cy="841256"/>
+            <a:off x="7367453" y="5545667"/>
+            <a:ext cx="3927080" cy="845821"/>
           </a:xfrm>
           <a:prstGeom prst="rect">
             <a:avLst/>
@@ -5696,13 +6697,13 @@
           <a:lstStyle/>
           <a:p>
             <a:r>
-              <a:rPr lang="en-US" dirty="0" smtClean="0"/>
+              <a:rPr lang="en-US" dirty="0"/>
               <a:t>History encoded</a:t>
             </a:r>
           </a:p>
           <a:p>
             <a:r>
-              <a:rPr lang="en-US" dirty="0" smtClean="0"/>
+              <a:rPr lang="en-US" dirty="0"/>
               <a:t> data set</a:t>
             </a:r>
             <a:endParaRPr kumimoji="0" lang="en-US" sz="2400" b="1" i="0" u="none" strike="noStrike" cap="none" spc="0" normalizeH="0" baseline="0" dirty="0">
@@ -5730,8 +6731,8 @@
         </p:nvSpPr>
         <p:spPr>
           <a:xfrm>
-            <a:off x="952500" y="5548932"/>
-            <a:ext cx="3722915" cy="841256"/>
+            <a:off x="952500" y="5505934"/>
+            <a:ext cx="3927080" cy="845821"/>
           </a:xfrm>
           <a:prstGeom prst="rect">
             <a:avLst/>
@@ -5763,13 +6764,13 @@
           <a:lstStyle/>
           <a:p>
             <a:r>
-              <a:rPr lang="en-US" dirty="0" smtClean="0"/>
+              <a:rPr lang="en-US" dirty="0"/>
               <a:t>Aggregate window</a:t>
             </a:r>
           </a:p>
           <a:p>
             <a:r>
-              <a:rPr lang="en-US" dirty="0" smtClean="0"/>
+              <a:rPr lang="en-US" dirty="0"/>
               <a:t> data set</a:t>
             </a:r>
             <a:endParaRPr kumimoji="0" lang="en-US" sz="2400" b="1" i="0" u="none" strike="noStrike" cap="none" spc="0" normalizeH="0" baseline="0" dirty="0">
@@ -5805,8 +6806,8 @@
         </p:blipFill>
         <p:spPr>
           <a:xfrm>
-            <a:off x="607727" y="6635896"/>
-            <a:ext cx="4563880" cy="2554949"/>
+            <a:off x="607726" y="6387322"/>
+            <a:ext cx="5007907" cy="2803524"/>
           </a:xfrm>
           <a:prstGeom prst="rect">
             <a:avLst/>
@@ -5829,8 +6830,8 @@
         </p:blipFill>
         <p:spPr>
           <a:xfrm>
-            <a:off x="7180289" y="6635896"/>
-            <a:ext cx="4572000" cy="2532845"/>
+            <a:off x="7180289" y="6389472"/>
+            <a:ext cx="5016816" cy="2779269"/>
           </a:xfrm>
           <a:prstGeom prst="rect">
             <a:avLst/>
@@ -5841,241 +6842,6 @@
     <p:extLst>
       <p:ext uri="{BB962C8B-B14F-4D97-AF65-F5344CB8AC3E}">
         <p14:creationId xmlns:p14="http://schemas.microsoft.com/office/powerpoint/2010/main" val="3108924478"/>
-      </p:ext>
-    </p:extLst>
-  </p:cSld>
-  <p:clrMapOvr>
-    <a:masterClrMapping/>
-  </p:clrMapOvr>
-  <p:transition spd="med"/>
-  <p:timing>
-    <p:tnLst>
-      <p:par>
-        <p:cTn id="1" dur="indefinite" restart="never" fill="hold" nodeType="tmRoot">
-          <p:childTnLst>
-            <p:seq concurrent="1" prevAc="none" nextAc="seek">
-              <p:cTn id="2" dur="indefinite" fill="hold" nodeType="mainSeq">
-                <p:childTnLst>
-                  <p:par>
-                    <p:cTn id="3" fill="hold">
-                      <p:stCondLst>
-                        <p:cond delay="indefinite"/>
-                      </p:stCondLst>
-                      <p:childTnLst>
-                        <p:par>
-                          <p:cTn id="4" fill="hold">
-                            <p:stCondLst>
-                              <p:cond delay="0"/>
-                            </p:stCondLst>
-                            <p:childTnLst>
-                              <p:par>
-                                <p:cTn id="5" presetID="1" presetClass="entr" presetSubtype="0" fill="hold" grpId="0" nodeType="clickEffect">
-                                  <p:stCondLst>
-                                    <p:cond delay="0"/>
-                                  </p:stCondLst>
-                                  <p:iterate>
-                                    <p:tmAbs val="0"/>
-                                  </p:iterate>
-                                  <p:childTnLst>
-                                    <p:set>
-                                      <p:cBhvr>
-                                        <p:cTn id="6" fill="hold"/>
-                                        <p:tgtEl>
-                                          <p:spTgt spid="126">
-                                            <p:bg/>
-                                          </p:spTgt>
-                                        </p:tgtEl>
-                                        <p:attrNameLst>
-                                          <p:attrName>style.visibility</p:attrName>
-                                        </p:attrNameLst>
-                                      </p:cBhvr>
-                                      <p:to>
-                                        <p:strVal val="visible"/>
-                                      </p:to>
-                                    </p:set>
-                                  </p:childTnLst>
-                                </p:cTn>
-                              </p:par>
-                            </p:childTnLst>
-                          </p:cTn>
-                        </p:par>
-                        <p:par>
-                          <p:cTn id="7" fill="hold">
-                            <p:stCondLst>
-                              <p:cond delay="0"/>
-                            </p:stCondLst>
-                            <p:childTnLst>
-                              <p:par>
-                                <p:cTn id="8" presetID="1" presetClass="entr" presetSubtype="0" fill="hold" grpId="0" nodeType="afterEffect">
-                                  <p:stCondLst>
-                                    <p:cond delay="0"/>
-                                  </p:stCondLst>
-                                  <p:iterate>
-                                    <p:tmAbs val="0"/>
-                                  </p:iterate>
-                                  <p:childTnLst>
-                                    <p:set>
-                                      <p:cBhvr>
-                                        <p:cTn id="9" fill="hold"/>
-                                        <p:tgtEl>
-                                          <p:spTgt spid="126">
-                                            <p:txEl>
-                                              <p:pRg st="0" end="0"/>
-                                            </p:txEl>
-                                          </p:spTgt>
-                                        </p:tgtEl>
-                                        <p:attrNameLst>
-                                          <p:attrName>style.visibility</p:attrName>
-                                        </p:attrNameLst>
-                                      </p:cBhvr>
-                                      <p:to>
-                                        <p:strVal val="visible"/>
-                                      </p:to>
-                                    </p:set>
-                                  </p:childTnLst>
-                                </p:cTn>
-                              </p:par>
-                            </p:childTnLst>
-                          </p:cTn>
-                        </p:par>
-                      </p:childTnLst>
-                    </p:cTn>
-                  </p:par>
-                </p:childTnLst>
-              </p:cTn>
-              <p:prevCondLst>
-                <p:cond evt="onPrev" delay="0">
-                  <p:tgtEl>
-                    <p:sldTgt/>
-                  </p:tgtEl>
-                </p:cond>
-              </p:prevCondLst>
-              <p:nextCondLst>
-                <p:cond evt="onNext" delay="0">
-                  <p:tgtEl>
-                    <p:sldTgt/>
-                  </p:tgtEl>
-                </p:cond>
-              </p:nextCondLst>
-            </p:seq>
-          </p:childTnLst>
-        </p:cTn>
-      </p:par>
-    </p:tnLst>
-    <p:bldLst>
-      <p:bldP spid="126" grpId="0" build="p" bldLvl="5" animBg="1" advAuto="0"/>
-    </p:bldLst>
-  </p:timing>
-</p:sld>
-</file>
-
-<file path=ppt/slides/slide8.xml><?xml version="1.0" encoding="utf-8"?>
-<p:sld xmlns:a="http://schemas.openxmlformats.org/drawingml/2006/main" xmlns:r="http://schemas.openxmlformats.org/officeDocument/2006/relationships" xmlns:p="http://schemas.openxmlformats.org/presentationml/2006/main">
-  <p:cSld>
-    <p:spTree>
-      <p:nvGrpSpPr>
-        <p:cNvPr id="1" name=""/>
-        <p:cNvGrpSpPr/>
-        <p:nvPr/>
-      </p:nvGrpSpPr>
-      <p:grpSpPr>
-        <a:xfrm>
-          <a:off x="0" y="0"/>
-          <a:ext cx="0" cy="0"/>
-          <a:chOff x="0" y="0"/>
-          <a:chExt cx="0" cy="0"/>
-        </a:xfrm>
-      </p:grpSpPr>
-      <p:sp>
-        <p:nvSpPr>
-          <p:cNvPr id="125" name="The Dataset"/>
-          <p:cNvSpPr txBox="1">
-            <a:spLocks noGrp="1"/>
-          </p:cNvSpPr>
-          <p:nvPr>
-            <p:ph type="title"/>
-          </p:nvPr>
-        </p:nvSpPr>
-        <p:spPr>
-          <a:prstGeom prst="rect">
-            <a:avLst/>
-          </a:prstGeom>
-        </p:spPr>
-        <p:txBody>
-          <a:bodyPr>
-            <a:normAutofit fontScale="90000"/>
-          </a:bodyPr>
-          <a:lstStyle/>
-          <a:p>
-            <a:r>
-              <a:rPr lang="en-US" dirty="0" smtClean="0"/>
-              <a:t>Window Size – Accuracy </a:t>
-            </a:r>
-            <a:br>
-              <a:rPr lang="en-US" dirty="0" smtClean="0"/>
-            </a:br>
-            <a:r>
-              <a:rPr lang="en-US" dirty="0" smtClean="0"/>
-              <a:t>Tradeoff</a:t>
-            </a:r>
-            <a:endParaRPr dirty="0"/>
-          </a:p>
-        </p:txBody>
-      </p:sp>
-      <p:sp>
-        <p:nvSpPr>
-          <p:cNvPr id="126" name="Time-Series data generated by accelerometer and gyroscope smartphone sensors.…"/>
-          <p:cNvSpPr txBox="1">
-            <a:spLocks noGrp="1"/>
-          </p:cNvSpPr>
-          <p:nvPr>
-            <p:ph type="body" idx="1"/>
-          </p:nvPr>
-        </p:nvSpPr>
-        <p:spPr>
-          <a:prstGeom prst="rect">
-            <a:avLst/>
-          </a:prstGeom>
-        </p:spPr>
-        <p:txBody>
-          <a:bodyPr/>
-          <a:lstStyle/>
-          <a:p>
-            <a:r>
-              <a:rPr lang="en-US" dirty="0" err="1" smtClean="0">
-                <a:solidFill>
-                  <a:srgbClr val="FF0000"/>
-                </a:solidFill>
-              </a:rPr>
-              <a:t>Calman</a:t>
-            </a:r>
-            <a:r>
-              <a:rPr lang="en-US" dirty="0" smtClean="0">
-                <a:solidFill>
-                  <a:srgbClr val="FF0000"/>
-                </a:solidFill>
-              </a:rPr>
-              <a:t> you can add here the graph showing the results as a function of the window size (lets say for the aggregate window data set)</a:t>
-            </a:r>
-          </a:p>
-          <a:p>
-            <a:endParaRPr lang="en-US" dirty="0"/>
-          </a:p>
-          <a:p>
-            <a:endParaRPr lang="en-US" dirty="0" smtClean="0"/>
-          </a:p>
-          <a:p>
-            <a:endParaRPr lang="en-US" dirty="0"/>
-          </a:p>
-          <a:p>
-            <a:endParaRPr lang="en-US" dirty="0" smtClean="0"/>
-          </a:p>
-        </p:txBody>
-      </p:sp>
-    </p:spTree>
-    <p:extLst>
-      <p:ext uri="{BB962C8B-B14F-4D97-AF65-F5344CB8AC3E}">
-        <p14:creationId xmlns:p14="http://schemas.microsoft.com/office/powerpoint/2010/main" val="3840812731"/>
       </p:ext>
     </p:extLst>
   </p:cSld>
@@ -6232,17 +6998,30 @@
           </p:nvPr>
         </p:nvSpPr>
         <p:spPr>
+          <a:xfrm>
+            <a:off x="952500" y="423334"/>
+            <a:ext cx="11099800" cy="2159000"/>
+          </a:xfrm>
           <a:prstGeom prst="rect">
             <a:avLst/>
           </a:prstGeom>
         </p:spPr>
         <p:txBody>
-          <a:bodyPr/>
+          <a:bodyPr>
+            <a:normAutofit fontScale="90000"/>
+          </a:bodyPr>
           <a:lstStyle/>
           <a:p>
             <a:r>
-              <a:rPr lang="en-US" dirty="0" smtClean="0"/>
-              <a:t>Next Steps</a:t>
+              <a:rPr lang="en-US" dirty="0"/>
+              <a:t>Window Size – Accuracy </a:t>
+            </a:r>
+            <a:br>
+              <a:rPr lang="en-US" dirty="0"/>
+            </a:br>
+            <a:r>
+              <a:rPr lang="en-US" dirty="0"/>
+              <a:t>Tradeoff</a:t>
             </a:r>
             <a:endParaRPr dirty="0"/>
           </a:p>
@@ -6260,7 +7039,7 @@
         </p:nvSpPr>
         <p:spPr>
           <a:xfrm>
-            <a:off x="952500" y="3693459"/>
+            <a:off x="952500" y="2861733"/>
             <a:ext cx="11099800" cy="6286500"/>
           </a:xfrm>
           <a:prstGeom prst="rect">
@@ -6272,38 +7051,40 @@
           <a:lstStyle/>
           <a:p>
             <a:r>
-              <a:rPr lang="en-US" dirty="0" smtClean="0"/>
-              <a:t>Increase the performance using more tuning of hyper parameters or a change in the features</a:t>
-            </a:r>
-          </a:p>
-          <a:p>
-            <a:r>
-              <a:rPr lang="en-US" dirty="0" smtClean="0"/>
-              <a:t>Try to use more complex sequence models (LSTM, GRU) to increase accuracy or maintain accuracy while using smaller window size</a:t>
-            </a:r>
-          </a:p>
-          <a:p>
-            <a:r>
-              <a:rPr lang="en-US" dirty="0" smtClean="0"/>
-              <a:t>Build framework to predict user’s action on real time using one of the models</a:t>
-            </a:r>
+              <a:rPr lang="en-US" dirty="0" err="1">
+                <a:solidFill>
+                  <a:srgbClr val="FF0000"/>
+                </a:solidFill>
+              </a:rPr>
+              <a:t>Calman</a:t>
+            </a:r>
+            <a:r>
+              <a:rPr lang="en-US" dirty="0">
+                <a:solidFill>
+                  <a:srgbClr val="FF0000"/>
+                </a:solidFill>
+              </a:rPr>
+              <a:t> you can add here the graph showing the results as a function of the window size (lets say for the aggregate window data set)</a:t>
+            </a:r>
+          </a:p>
+          <a:p>
             <a:endParaRPr lang="en-US" dirty="0"/>
           </a:p>
           <a:p>
-            <a:endParaRPr lang="en-US" dirty="0" smtClean="0"/>
-          </a:p>
-          <a:p>
             <a:endParaRPr lang="en-US" dirty="0"/>
           </a:p>
           <a:p>
-            <a:endParaRPr lang="en-US" dirty="0" smtClean="0"/>
+            <a:endParaRPr lang="en-US" dirty="0"/>
+          </a:p>
+          <a:p>
+            <a:endParaRPr lang="en-US" dirty="0"/>
           </a:p>
         </p:txBody>
       </p:sp>
     </p:spTree>
     <p:extLst>
       <p:ext uri="{BB962C8B-B14F-4D97-AF65-F5344CB8AC3E}">
-        <p14:creationId xmlns:p14="http://schemas.microsoft.com/office/powerpoint/2010/main" val="3188372986"/>
+        <p14:creationId xmlns:p14="http://schemas.microsoft.com/office/powerpoint/2010/main" val="3840812731"/>
       </p:ext>
     </p:extLst>
   </p:cSld>
@@ -6384,84 +7165,6 @@
                                           <p:spTgt spid="126">
                                             <p:txEl>
                                               <p:pRg st="0" end="0"/>
-                                            </p:txEl>
-                                          </p:spTgt>
-                                        </p:tgtEl>
-                                        <p:attrNameLst>
-                                          <p:attrName>style.visibility</p:attrName>
-                                        </p:attrNameLst>
-                                      </p:cBhvr>
-                                      <p:to>
-                                        <p:strVal val="visible"/>
-                                      </p:to>
-                                    </p:set>
-                                  </p:childTnLst>
-                                </p:cTn>
-                              </p:par>
-                            </p:childTnLst>
-                          </p:cTn>
-                        </p:par>
-                        <p:par>
-                          <p:cTn id="10" fill="hold">
-                            <p:stCondLst>
-                              <p:cond delay="0"/>
-                            </p:stCondLst>
-                            <p:childTnLst>
-                              <p:par>
-                                <p:cTn id="11" presetID="1" presetClass="entr" presetSubtype="0" fill="hold" grpId="0" nodeType="afterEffect">
-                                  <p:stCondLst>
-                                    <p:cond delay="0"/>
-                                  </p:stCondLst>
-                                  <p:iterate>
-                                    <p:tmAbs val="0"/>
-                                  </p:iterate>
-                                  <p:childTnLst>
-                                    <p:set>
-                                      <p:cBhvr>
-                                        <p:cTn id="12" fill="hold"/>
-                                        <p:tgtEl>
-                                          <p:spTgt spid="126">
-                                            <p:txEl>
-                                              <p:pRg st="1" end="1"/>
-                                            </p:txEl>
-                                          </p:spTgt>
-                                        </p:tgtEl>
-                                        <p:attrNameLst>
-                                          <p:attrName>style.visibility</p:attrName>
-                                        </p:attrNameLst>
-                                      </p:cBhvr>
-                                      <p:to>
-                                        <p:strVal val="visible"/>
-                                      </p:to>
-                                    </p:set>
-                                  </p:childTnLst>
-                                </p:cTn>
-                              </p:par>
-                            </p:childTnLst>
-                          </p:cTn>
-                        </p:par>
-                        <p:par>
-                          <p:cTn id="13" fill="hold">
-                            <p:stCondLst>
-                              <p:cond delay="0"/>
-                            </p:stCondLst>
-                            <p:childTnLst>
-                              <p:par>
-                                <p:cTn id="14" presetID="1" presetClass="entr" presetSubtype="0" fill="hold" grpId="0" nodeType="afterEffect">
-                                  <p:stCondLst>
-                                    <p:cond delay="0"/>
-                                  </p:stCondLst>
-                                  <p:iterate>
-                                    <p:tmAbs val="0"/>
-                                  </p:iterate>
-                                  <p:childTnLst>
-                                    <p:set>
-                                      <p:cBhvr>
-                                        <p:cTn id="15" fill="hold"/>
-                                        <p:tgtEl>
-                                          <p:spTgt spid="126">
-                                            <p:txEl>
-                                              <p:pRg st="2" end="2"/>
                                             </p:txEl>
                                           </p:spTgt>
                                         </p:tgtEl>
